--- a/docs/Berkeley_Photonics_Generator_Intro.pptx
+++ b/docs/Berkeley_Photonics_Generator_Intro.pptx
@@ -8,6 +8,8 @@
     <p:sldId id="256" r:id="rId2"/>
     <p:sldId id="257" r:id="rId3"/>
     <p:sldId id="258" r:id="rId4"/>
+    <p:sldId id="259" r:id="rId5"/>
+    <p:sldId id="260" r:id="rId6"/>
   </p:sldIdLst>
   <p:sldSz cx="12192000" cy="6858000"/>
   <p:notesSz cx="6858000" cy="9144000"/>
@@ -3518,56 +3520,1670 @@
           <a:chExt cx="0" cy="0"/>
         </a:xfrm>
       </p:grpSpPr>
-      <p:sp>
-        <p:nvSpPr>
-          <p:cNvPr id="2" name="Title 1">
-            <a:extLst>
-              <a:ext uri="{FF2B5EF4-FFF2-40B4-BE49-F238E27FC236}">
-                <a16:creationId xmlns:a16="http://schemas.microsoft.com/office/drawing/2014/main" id="{CC134B85-949E-4247-A0EB-BA6175C52145}"/>
-              </a:ext>
-            </a:extLst>
-          </p:cNvPr>
-          <p:cNvSpPr>
-            <a:spLocks noGrp="1"/>
-          </p:cNvSpPr>
-          <p:nvPr>
-            <p:ph type="title"/>
-          </p:nvPr>
-        </p:nvSpPr>
-        <p:spPr/>
-        <p:txBody>
-          <a:bodyPr/>
-          <a:lstStyle/>
-          <a:p>
-            <a:r>
-              <a:rPr lang="en-US" dirty="0"/>
-              <a:t>BPG Design Structure</a:t>
-            </a:r>
-          </a:p>
-        </p:txBody>
-      </p:sp>
-      <p:sp>
-        <p:nvSpPr>
-          <p:cNvPr id="3" name="Content Placeholder 2">
-            <a:extLst>
-              <a:ext uri="{FF2B5EF4-FFF2-40B4-BE49-F238E27FC236}">
-                <a16:creationId xmlns:a16="http://schemas.microsoft.com/office/drawing/2014/main" id="{9C7DF9DF-28BF-9047-98E2-6590A1A6F5E8}"/>
-              </a:ext>
-            </a:extLst>
-          </p:cNvPr>
-          <p:cNvSpPr>
-            <a:spLocks noGrp="1"/>
-          </p:cNvSpPr>
-          <p:nvPr>
-            <p:ph idx="1"/>
-          </p:nvPr>
-        </p:nvSpPr>
-        <p:spPr/>
-        <p:txBody>
-          <a:bodyPr/>
-          <a:lstStyle/>
-          <a:p>
-            <a:endParaRPr lang="en-US" dirty="0"/>
+      <p:cxnSp>
+        <p:nvCxnSpPr>
+          <p:cNvPr id="21" name="Straight Connector 20">
+            <a:extLst>
+              <a:ext uri="{FF2B5EF4-FFF2-40B4-BE49-F238E27FC236}">
+                <a16:creationId xmlns:a16="http://schemas.microsoft.com/office/drawing/2014/main" id="{666AF6DA-D71F-8945-BFA6-597738745B06}"/>
+              </a:ext>
+            </a:extLst>
+          </p:cNvPr>
+          <p:cNvCxnSpPr>
+            <a:cxnSpLocks/>
+          </p:cNvCxnSpPr>
+          <p:nvPr/>
+        </p:nvCxnSpPr>
+        <p:spPr>
+          <a:xfrm>
+            <a:off x="5605669" y="1756084"/>
+            <a:ext cx="0" cy="4453884"/>
+          </a:xfrm>
+          <a:prstGeom prst="line">
+            <a:avLst/>
+          </a:prstGeom>
+          <a:ln>
+            <a:solidFill>
+              <a:schemeClr val="tx1"/>
+            </a:solidFill>
+            <a:prstDash val="dash"/>
+          </a:ln>
+        </p:spPr>
+        <p:style>
+          <a:lnRef idx="1">
+            <a:schemeClr val="accent1"/>
+          </a:lnRef>
+          <a:fillRef idx="0">
+            <a:schemeClr val="accent1"/>
+          </a:fillRef>
+          <a:effectRef idx="0">
+            <a:schemeClr val="accent1"/>
+          </a:effectRef>
+          <a:fontRef idx="minor">
+            <a:schemeClr val="tx1"/>
+          </a:fontRef>
+        </p:style>
+      </p:cxnSp>
+      <p:sp>
+        <p:nvSpPr>
+          <p:cNvPr id="4" name="Rectangle 3">
+            <a:extLst>
+              <a:ext uri="{FF2B5EF4-FFF2-40B4-BE49-F238E27FC236}">
+                <a16:creationId xmlns:a16="http://schemas.microsoft.com/office/drawing/2014/main" id="{6A516D79-515A-B645-8649-987B748043EA}"/>
+              </a:ext>
+            </a:extLst>
+          </p:cNvPr>
+          <p:cNvSpPr/>
+          <p:nvPr/>
+        </p:nvSpPr>
+        <p:spPr>
+          <a:xfrm>
+            <a:off x="6215929" y="2476358"/>
+            <a:ext cx="1963973" cy="604298"/>
+          </a:xfrm>
+          <a:prstGeom prst="rect">
+            <a:avLst/>
+          </a:prstGeom>
+          <a:noFill/>
+          <a:ln w="28575">
+            <a:solidFill>
+              <a:schemeClr val="tx1"/>
+            </a:solidFill>
+          </a:ln>
+        </p:spPr>
+        <p:style>
+          <a:lnRef idx="2">
+            <a:schemeClr val="accent1">
+              <a:shade val="50000"/>
+            </a:schemeClr>
+          </a:lnRef>
+          <a:fillRef idx="1">
+            <a:schemeClr val="accent1"/>
+          </a:fillRef>
+          <a:effectRef idx="0">
+            <a:schemeClr val="accent1"/>
+          </a:effectRef>
+          <a:fontRef idx="minor">
+            <a:schemeClr val="lt1"/>
+          </a:fontRef>
+        </p:style>
+        <p:txBody>
+          <a:bodyPr rtlCol="0" anchor="ctr"/>
+          <a:lstStyle/>
+          <a:p>
+            <a:pPr algn="ctr"/>
+            <a:endParaRPr lang="en-US"/>
+          </a:p>
+        </p:txBody>
+      </p:sp>
+      <p:sp>
+        <p:nvSpPr>
+          <p:cNvPr id="5" name="TextBox 4">
+            <a:extLst>
+              <a:ext uri="{FF2B5EF4-FFF2-40B4-BE49-F238E27FC236}">
+                <a16:creationId xmlns:a16="http://schemas.microsoft.com/office/drawing/2014/main" id="{8C490F88-C761-C04F-BBA6-48D1A6C8CB55}"/>
+              </a:ext>
+            </a:extLst>
+          </p:cNvPr>
+          <p:cNvSpPr txBox="1"/>
+          <p:nvPr/>
+        </p:nvSpPr>
+        <p:spPr>
+          <a:xfrm>
+            <a:off x="6465727" y="2593841"/>
+            <a:ext cx="1490473" cy="369332"/>
+          </a:xfrm>
+          <a:prstGeom prst="rect">
+            <a:avLst/>
+          </a:prstGeom>
+          <a:noFill/>
+        </p:spPr>
+        <p:txBody>
+          <a:bodyPr wrap="none" rtlCol="0">
+            <a:spAutoFit/>
+          </a:bodyPr>
+          <a:lstStyle/>
+          <a:p>
+            <a:r>
+              <a:rPr lang="en-US" b="1" dirty="0"/>
+              <a:t>BPG Interface</a:t>
+            </a:r>
+          </a:p>
+        </p:txBody>
+      </p:sp>
+      <p:grpSp>
+        <p:nvGrpSpPr>
+          <p:cNvPr id="12" name="Group 11">
+            <a:extLst>
+              <a:ext uri="{FF2B5EF4-FFF2-40B4-BE49-F238E27FC236}">
+                <a16:creationId xmlns:a16="http://schemas.microsoft.com/office/drawing/2014/main" id="{86DF6A44-1ED2-0946-B1CE-E2FF1382995F}"/>
+              </a:ext>
+            </a:extLst>
+          </p:cNvPr>
+          <p:cNvGrpSpPr/>
+          <p:nvPr/>
+        </p:nvGrpSpPr>
+        <p:grpSpPr>
+          <a:xfrm>
+            <a:off x="2266121" y="3495209"/>
+            <a:ext cx="6615485" cy="604298"/>
+            <a:chOff x="4389119" y="3429953"/>
+            <a:chExt cx="3045348" cy="604298"/>
+          </a:xfrm>
+          <a:solidFill>
+            <a:schemeClr val="bg1"/>
+          </a:solidFill>
+        </p:grpSpPr>
+        <p:sp>
+          <p:nvSpPr>
+            <p:cNvPr id="6" name="Rectangle 5">
+              <a:extLst>
+                <a:ext uri="{FF2B5EF4-FFF2-40B4-BE49-F238E27FC236}">
+                  <a16:creationId xmlns:a16="http://schemas.microsoft.com/office/drawing/2014/main" id="{0996672D-6067-8749-A82E-DF5035A67D81}"/>
+                </a:ext>
+              </a:extLst>
+            </p:cNvPr>
+            <p:cNvSpPr/>
+            <p:nvPr/>
+          </p:nvSpPr>
+          <p:spPr>
+            <a:xfrm>
+              <a:off x="4389119" y="3429953"/>
+              <a:ext cx="3045348" cy="604298"/>
+            </a:xfrm>
+            <a:prstGeom prst="rect">
+              <a:avLst/>
+            </a:prstGeom>
+            <a:grpFill/>
+            <a:ln w="28575">
+              <a:solidFill>
+                <a:schemeClr val="tx1"/>
+              </a:solidFill>
+            </a:ln>
+          </p:spPr>
+          <p:style>
+            <a:lnRef idx="2">
+              <a:schemeClr val="accent1">
+                <a:shade val="50000"/>
+              </a:schemeClr>
+            </a:lnRef>
+            <a:fillRef idx="1">
+              <a:schemeClr val="accent1"/>
+            </a:fillRef>
+            <a:effectRef idx="0">
+              <a:schemeClr val="accent1"/>
+            </a:effectRef>
+            <a:fontRef idx="minor">
+              <a:schemeClr val="lt1"/>
+            </a:fontRef>
+          </p:style>
+          <p:txBody>
+            <a:bodyPr rtlCol="0" anchor="ctr"/>
+            <a:lstStyle/>
+            <a:p>
+              <a:pPr algn="ctr"/>
+              <a:endParaRPr lang="en-US"/>
+            </a:p>
+          </p:txBody>
+        </p:sp>
+        <p:sp>
+          <p:nvSpPr>
+            <p:cNvPr id="7" name="TextBox 6">
+              <a:extLst>
+                <a:ext uri="{FF2B5EF4-FFF2-40B4-BE49-F238E27FC236}">
+                  <a16:creationId xmlns:a16="http://schemas.microsoft.com/office/drawing/2014/main" id="{962608C8-2780-8A43-8F4E-154C56A29AFB}"/>
+                </a:ext>
+              </a:extLst>
+            </p:cNvPr>
+            <p:cNvSpPr txBox="1"/>
+            <p:nvPr/>
+          </p:nvSpPr>
+          <p:spPr>
+            <a:xfrm>
+              <a:off x="5328896" y="3547436"/>
+              <a:ext cx="1194773" cy="369332"/>
+            </a:xfrm>
+            <a:prstGeom prst="rect">
+              <a:avLst/>
+            </a:prstGeom>
+            <a:grpFill/>
+          </p:spPr>
+          <p:txBody>
+            <a:bodyPr wrap="none" rtlCol="0">
+              <a:spAutoFit/>
+            </a:bodyPr>
+            <a:lstStyle/>
+            <a:p>
+              <a:pPr algn="ctr"/>
+              <a:r>
+                <a:rPr lang="en-US" b="1" dirty="0"/>
+                <a:t>BAG Content List</a:t>
+              </a:r>
+            </a:p>
+          </p:txBody>
+        </p:sp>
+      </p:grpSp>
+      <p:sp>
+        <p:nvSpPr>
+          <p:cNvPr id="8" name="TextBox 7">
+            <a:extLst>
+              <a:ext uri="{FF2B5EF4-FFF2-40B4-BE49-F238E27FC236}">
+                <a16:creationId xmlns:a16="http://schemas.microsoft.com/office/drawing/2014/main" id="{D690DD75-A590-2341-940D-5AB60E391532}"/>
+              </a:ext>
+            </a:extLst>
+          </p:cNvPr>
+          <p:cNvSpPr txBox="1"/>
+          <p:nvPr/>
+        </p:nvSpPr>
+        <p:spPr>
+          <a:xfrm>
+            <a:off x="8179902" y="1573134"/>
+            <a:ext cx="623889" cy="369332"/>
+          </a:xfrm>
+          <a:prstGeom prst="rect">
+            <a:avLst/>
+          </a:prstGeom>
+          <a:noFill/>
+        </p:spPr>
+        <p:txBody>
+          <a:bodyPr wrap="none" rtlCol="0">
+            <a:spAutoFit/>
+          </a:bodyPr>
+          <a:lstStyle/>
+          <a:p>
+            <a:r>
+              <a:rPr lang="en-US" b="1" dirty="0"/>
+              <a:t>User</a:t>
+            </a:r>
+          </a:p>
+        </p:txBody>
+      </p:sp>
+      <p:cxnSp>
+        <p:nvCxnSpPr>
+          <p:cNvPr id="10" name="Curved Connector 9">
+            <a:extLst>
+              <a:ext uri="{FF2B5EF4-FFF2-40B4-BE49-F238E27FC236}">
+                <a16:creationId xmlns:a16="http://schemas.microsoft.com/office/drawing/2014/main" id="{3AE12B8E-6BF8-3849-AC15-D943FCD77E8A}"/>
+              </a:ext>
+            </a:extLst>
+          </p:cNvPr>
+          <p:cNvCxnSpPr>
+            <a:stCxn id="8" idx="1"/>
+            <a:endCxn id="4" idx="0"/>
+          </p:cNvCxnSpPr>
+          <p:nvPr/>
+        </p:nvCxnSpPr>
+        <p:spPr>
+          <a:xfrm rot="10800000" flipV="1">
+            <a:off x="7197916" y="1757800"/>
+            <a:ext cx="981986" cy="718558"/>
+          </a:xfrm>
+          <a:prstGeom prst="curvedConnector2">
+            <a:avLst/>
+          </a:prstGeom>
+          <a:ln w="28575">
+            <a:solidFill>
+              <a:schemeClr val="tx1"/>
+            </a:solidFill>
+            <a:tailEnd type="triangle"/>
+          </a:ln>
+        </p:spPr>
+        <p:style>
+          <a:lnRef idx="1">
+            <a:schemeClr val="accent1"/>
+          </a:lnRef>
+          <a:fillRef idx="0">
+            <a:schemeClr val="accent1"/>
+          </a:fillRef>
+          <a:effectRef idx="0">
+            <a:schemeClr val="accent1"/>
+          </a:effectRef>
+          <a:fontRef idx="minor">
+            <a:schemeClr val="tx1"/>
+          </a:fontRef>
+        </p:style>
+      </p:cxnSp>
+      <p:sp>
+        <p:nvSpPr>
+          <p:cNvPr id="13" name="Rectangle 12">
+            <a:extLst>
+              <a:ext uri="{FF2B5EF4-FFF2-40B4-BE49-F238E27FC236}">
+                <a16:creationId xmlns:a16="http://schemas.microsoft.com/office/drawing/2014/main" id="{6B3D45FB-C2B5-D148-9B26-537BE23E3834}"/>
+              </a:ext>
+            </a:extLst>
+          </p:cNvPr>
+          <p:cNvSpPr/>
+          <p:nvPr/>
+        </p:nvSpPr>
+        <p:spPr>
+          <a:xfrm>
+            <a:off x="2953909" y="2476358"/>
+            <a:ext cx="1963973" cy="604298"/>
+          </a:xfrm>
+          <a:prstGeom prst="rect">
+            <a:avLst/>
+          </a:prstGeom>
+          <a:noFill/>
+          <a:ln w="28575">
+            <a:solidFill>
+              <a:schemeClr val="tx1"/>
+            </a:solidFill>
+          </a:ln>
+        </p:spPr>
+        <p:style>
+          <a:lnRef idx="2">
+            <a:schemeClr val="accent1">
+              <a:shade val="50000"/>
+            </a:schemeClr>
+          </a:lnRef>
+          <a:fillRef idx="1">
+            <a:schemeClr val="accent1"/>
+          </a:fillRef>
+          <a:effectRef idx="0">
+            <a:schemeClr val="accent1"/>
+          </a:effectRef>
+          <a:fontRef idx="minor">
+            <a:schemeClr val="lt1"/>
+          </a:fontRef>
+        </p:style>
+        <p:txBody>
+          <a:bodyPr rtlCol="0" anchor="ctr"/>
+          <a:lstStyle/>
+          <a:p>
+            <a:pPr algn="ctr"/>
+            <a:endParaRPr lang="en-US"/>
+          </a:p>
+        </p:txBody>
+      </p:sp>
+      <p:sp>
+        <p:nvSpPr>
+          <p:cNvPr id="14" name="TextBox 13">
+            <a:extLst>
+              <a:ext uri="{FF2B5EF4-FFF2-40B4-BE49-F238E27FC236}">
+                <a16:creationId xmlns:a16="http://schemas.microsoft.com/office/drawing/2014/main" id="{A83FD4D6-746D-9E4D-BD27-21E3A44AA5F1}"/>
+              </a:ext>
+            </a:extLst>
+          </p:cNvPr>
+          <p:cNvSpPr txBox="1"/>
+          <p:nvPr/>
+        </p:nvSpPr>
+        <p:spPr>
+          <a:xfrm>
+            <a:off x="3181163" y="2593981"/>
+            <a:ext cx="1490473" cy="369332"/>
+          </a:xfrm>
+          <a:prstGeom prst="rect">
+            <a:avLst/>
+          </a:prstGeom>
+          <a:noFill/>
+        </p:spPr>
+        <p:txBody>
+          <a:bodyPr wrap="none" rtlCol="0">
+            <a:spAutoFit/>
+          </a:bodyPr>
+          <a:lstStyle/>
+          <a:p>
+            <a:r>
+              <a:rPr lang="en-US" b="1" dirty="0"/>
+              <a:t>BAG Interface</a:t>
+            </a:r>
+          </a:p>
+        </p:txBody>
+      </p:sp>
+      <p:cxnSp>
+        <p:nvCxnSpPr>
+          <p:cNvPr id="16" name="Straight Arrow Connector 15">
+            <a:extLst>
+              <a:ext uri="{FF2B5EF4-FFF2-40B4-BE49-F238E27FC236}">
+                <a16:creationId xmlns:a16="http://schemas.microsoft.com/office/drawing/2014/main" id="{21EC0DAB-110E-B840-BB96-A3709533FBE3}"/>
+              </a:ext>
+            </a:extLst>
+          </p:cNvPr>
+          <p:cNvCxnSpPr>
+            <a:stCxn id="13" idx="2"/>
+          </p:cNvCxnSpPr>
+          <p:nvPr/>
+        </p:nvCxnSpPr>
+        <p:spPr>
+          <a:xfrm flipH="1">
+            <a:off x="3935895" y="3080656"/>
+            <a:ext cx="1" cy="416409"/>
+          </a:xfrm>
+          <a:prstGeom prst="straightConnector1">
+            <a:avLst/>
+          </a:prstGeom>
+          <a:ln w="28575">
+            <a:solidFill>
+              <a:schemeClr val="tx1"/>
+            </a:solidFill>
+            <a:tailEnd type="triangle"/>
+          </a:ln>
+        </p:spPr>
+        <p:style>
+          <a:lnRef idx="1">
+            <a:schemeClr val="accent1"/>
+          </a:lnRef>
+          <a:fillRef idx="0">
+            <a:schemeClr val="accent1"/>
+          </a:fillRef>
+          <a:effectRef idx="0">
+            <a:schemeClr val="accent1"/>
+          </a:effectRef>
+          <a:fontRef idx="minor">
+            <a:schemeClr val="tx1"/>
+          </a:fontRef>
+        </p:style>
+      </p:cxnSp>
+      <p:cxnSp>
+        <p:nvCxnSpPr>
+          <p:cNvPr id="18" name="Straight Arrow Connector 17">
+            <a:extLst>
+              <a:ext uri="{FF2B5EF4-FFF2-40B4-BE49-F238E27FC236}">
+                <a16:creationId xmlns:a16="http://schemas.microsoft.com/office/drawing/2014/main" id="{35AA597E-3DFA-4E44-9446-112CA3C07E76}"/>
+              </a:ext>
+            </a:extLst>
+          </p:cNvPr>
+          <p:cNvCxnSpPr>
+            <a:stCxn id="4" idx="2"/>
+          </p:cNvCxnSpPr>
+          <p:nvPr/>
+        </p:nvCxnSpPr>
+        <p:spPr>
+          <a:xfrm flipH="1">
+            <a:off x="7197915" y="3080656"/>
+            <a:ext cx="1" cy="416269"/>
+          </a:xfrm>
+          <a:prstGeom prst="straightConnector1">
+            <a:avLst/>
+          </a:prstGeom>
+          <a:ln w="28575">
+            <a:solidFill>
+              <a:schemeClr val="tx1"/>
+            </a:solidFill>
+            <a:tailEnd type="triangle"/>
+          </a:ln>
+        </p:spPr>
+        <p:style>
+          <a:lnRef idx="1">
+            <a:schemeClr val="accent1"/>
+          </a:lnRef>
+          <a:fillRef idx="0">
+            <a:schemeClr val="accent1"/>
+          </a:fillRef>
+          <a:effectRef idx="0">
+            <a:schemeClr val="accent1"/>
+          </a:effectRef>
+          <a:fontRef idx="minor">
+            <a:schemeClr val="tx1"/>
+          </a:fontRef>
+        </p:style>
+      </p:cxnSp>
+      <p:sp>
+        <p:nvSpPr>
+          <p:cNvPr id="22" name="Rectangle 21">
+            <a:extLst>
+              <a:ext uri="{FF2B5EF4-FFF2-40B4-BE49-F238E27FC236}">
+                <a16:creationId xmlns:a16="http://schemas.microsoft.com/office/drawing/2014/main" id="{DA50F438-BAA9-9A4A-A56E-968CF297EAB2}"/>
+              </a:ext>
+            </a:extLst>
+          </p:cNvPr>
+          <p:cNvSpPr/>
+          <p:nvPr/>
+        </p:nvSpPr>
+        <p:spPr>
+          <a:xfrm>
+            <a:off x="4059670" y="4445370"/>
+            <a:ext cx="1294218" cy="604298"/>
+          </a:xfrm>
+          <a:prstGeom prst="rect">
+            <a:avLst/>
+          </a:prstGeom>
+          <a:noFill/>
+          <a:ln w="28575">
+            <a:solidFill>
+              <a:schemeClr val="tx1"/>
+            </a:solidFill>
+          </a:ln>
+        </p:spPr>
+        <p:style>
+          <a:lnRef idx="2">
+            <a:schemeClr val="accent1">
+              <a:shade val="50000"/>
+            </a:schemeClr>
+          </a:lnRef>
+          <a:fillRef idx="1">
+            <a:schemeClr val="accent1"/>
+          </a:fillRef>
+          <a:effectRef idx="0">
+            <a:schemeClr val="accent1"/>
+          </a:effectRef>
+          <a:fontRef idx="minor">
+            <a:schemeClr val="lt1"/>
+          </a:fontRef>
+        </p:style>
+        <p:txBody>
+          <a:bodyPr rtlCol="0" anchor="ctr"/>
+          <a:lstStyle/>
+          <a:p>
+            <a:pPr algn="ctr"/>
+            <a:endParaRPr lang="en-US"/>
+          </a:p>
+        </p:txBody>
+      </p:sp>
+      <p:sp>
+        <p:nvSpPr>
+          <p:cNvPr id="23" name="TextBox 22">
+            <a:extLst>
+              <a:ext uri="{FF2B5EF4-FFF2-40B4-BE49-F238E27FC236}">
+                <a16:creationId xmlns:a16="http://schemas.microsoft.com/office/drawing/2014/main" id="{DFDAE262-9585-C848-8D21-B853AC9F19B3}"/>
+              </a:ext>
+            </a:extLst>
+          </p:cNvPr>
+          <p:cNvSpPr txBox="1"/>
+          <p:nvPr/>
+        </p:nvSpPr>
+        <p:spPr>
+          <a:xfrm>
+            <a:off x="4206481" y="4562853"/>
+            <a:ext cx="1000595" cy="369332"/>
+          </a:xfrm>
+          <a:prstGeom prst="rect">
+            <a:avLst/>
+          </a:prstGeom>
+          <a:noFill/>
+        </p:spPr>
+        <p:txBody>
+          <a:bodyPr wrap="none" rtlCol="0">
+            <a:spAutoFit/>
+          </a:bodyPr>
+          <a:lstStyle/>
+          <a:p>
+            <a:r>
+              <a:rPr lang="en-US" b="1" dirty="0"/>
+              <a:t>Virtuoso</a:t>
+            </a:r>
+          </a:p>
+        </p:txBody>
+      </p:sp>
+      <p:sp>
+        <p:nvSpPr>
+          <p:cNvPr id="24" name="Rectangle 23">
+            <a:extLst>
+              <a:ext uri="{FF2B5EF4-FFF2-40B4-BE49-F238E27FC236}">
+                <a16:creationId xmlns:a16="http://schemas.microsoft.com/office/drawing/2014/main" id="{4449A4CC-2D9C-944C-94FD-EEC22C1AF03A}"/>
+              </a:ext>
+            </a:extLst>
+          </p:cNvPr>
+          <p:cNvSpPr/>
+          <p:nvPr/>
+        </p:nvSpPr>
+        <p:spPr>
+          <a:xfrm>
+            <a:off x="2431500" y="4445370"/>
+            <a:ext cx="1294218" cy="604298"/>
+          </a:xfrm>
+          <a:prstGeom prst="rect">
+            <a:avLst/>
+          </a:prstGeom>
+          <a:noFill/>
+          <a:ln w="28575">
+            <a:solidFill>
+              <a:schemeClr val="tx1"/>
+            </a:solidFill>
+          </a:ln>
+        </p:spPr>
+        <p:style>
+          <a:lnRef idx="2">
+            <a:schemeClr val="accent1">
+              <a:shade val="50000"/>
+            </a:schemeClr>
+          </a:lnRef>
+          <a:fillRef idx="1">
+            <a:schemeClr val="accent1"/>
+          </a:fillRef>
+          <a:effectRef idx="0">
+            <a:schemeClr val="accent1"/>
+          </a:effectRef>
+          <a:fontRef idx="minor">
+            <a:schemeClr val="lt1"/>
+          </a:fontRef>
+        </p:style>
+        <p:txBody>
+          <a:bodyPr rtlCol="0" anchor="ctr"/>
+          <a:lstStyle/>
+          <a:p>
+            <a:pPr algn="ctr"/>
+            <a:endParaRPr lang="en-US"/>
+          </a:p>
+        </p:txBody>
+      </p:sp>
+      <p:sp>
+        <p:nvSpPr>
+          <p:cNvPr id="25" name="TextBox 24">
+            <a:extLst>
+              <a:ext uri="{FF2B5EF4-FFF2-40B4-BE49-F238E27FC236}">
+                <a16:creationId xmlns:a16="http://schemas.microsoft.com/office/drawing/2014/main" id="{14E19DF6-3129-2645-8151-5657736626B0}"/>
+              </a:ext>
+            </a:extLst>
+          </p:cNvPr>
+          <p:cNvSpPr txBox="1"/>
+          <p:nvPr/>
+        </p:nvSpPr>
+        <p:spPr>
+          <a:xfrm>
+            <a:off x="2710048" y="4562853"/>
+            <a:ext cx="737126" cy="369332"/>
+          </a:xfrm>
+          <a:prstGeom prst="rect">
+            <a:avLst/>
+          </a:prstGeom>
+          <a:noFill/>
+        </p:spPr>
+        <p:txBody>
+          <a:bodyPr wrap="none" rtlCol="0">
+            <a:spAutoFit/>
+          </a:bodyPr>
+          <a:lstStyle/>
+          <a:p>
+            <a:pPr algn="ctr"/>
+            <a:r>
+              <a:rPr lang="en-US" b="1" dirty="0" err="1"/>
+              <a:t>gdspy</a:t>
+            </a:r>
+            <a:endParaRPr lang="en-US" b="1" dirty="0"/>
+          </a:p>
+        </p:txBody>
+      </p:sp>
+      <p:cxnSp>
+        <p:nvCxnSpPr>
+          <p:cNvPr id="27" name="Straight Arrow Connector 26">
+            <a:extLst>
+              <a:ext uri="{FF2B5EF4-FFF2-40B4-BE49-F238E27FC236}">
+                <a16:creationId xmlns:a16="http://schemas.microsoft.com/office/drawing/2014/main" id="{BDB56A45-6E8F-8747-9938-1854F4AACAAA}"/>
+              </a:ext>
+            </a:extLst>
+          </p:cNvPr>
+          <p:cNvCxnSpPr>
+            <a:cxnSpLocks/>
+          </p:cNvCxnSpPr>
+          <p:nvPr/>
+        </p:nvCxnSpPr>
+        <p:spPr>
+          <a:xfrm>
+            <a:off x="4444386" y="4099507"/>
+            <a:ext cx="0" cy="345863"/>
+          </a:xfrm>
+          <a:prstGeom prst="straightConnector1">
+            <a:avLst/>
+          </a:prstGeom>
+          <a:ln w="28575">
+            <a:solidFill>
+              <a:schemeClr val="tx1"/>
+            </a:solidFill>
+            <a:tailEnd type="triangle"/>
+          </a:ln>
+        </p:spPr>
+        <p:style>
+          <a:lnRef idx="1">
+            <a:schemeClr val="accent1"/>
+          </a:lnRef>
+          <a:fillRef idx="0">
+            <a:schemeClr val="accent1"/>
+          </a:fillRef>
+          <a:effectRef idx="0">
+            <a:schemeClr val="accent1"/>
+          </a:effectRef>
+          <a:fontRef idx="minor">
+            <a:schemeClr val="tx1"/>
+          </a:fontRef>
+        </p:style>
+      </p:cxnSp>
+      <p:cxnSp>
+        <p:nvCxnSpPr>
+          <p:cNvPr id="29" name="Straight Arrow Connector 28">
+            <a:extLst>
+              <a:ext uri="{FF2B5EF4-FFF2-40B4-BE49-F238E27FC236}">
+                <a16:creationId xmlns:a16="http://schemas.microsoft.com/office/drawing/2014/main" id="{C14F2093-AAC7-EB42-8774-0776E8EABE49}"/>
+              </a:ext>
+            </a:extLst>
+          </p:cNvPr>
+          <p:cNvCxnSpPr>
+            <a:cxnSpLocks/>
+          </p:cNvCxnSpPr>
+          <p:nvPr/>
+        </p:nvCxnSpPr>
+        <p:spPr>
+          <a:xfrm flipV="1">
+            <a:off x="4986400" y="4099507"/>
+            <a:ext cx="0" cy="345863"/>
+          </a:xfrm>
+          <a:prstGeom prst="straightConnector1">
+            <a:avLst/>
+          </a:prstGeom>
+          <a:ln w="28575">
+            <a:solidFill>
+              <a:schemeClr val="tx1"/>
+            </a:solidFill>
+            <a:tailEnd type="triangle"/>
+          </a:ln>
+        </p:spPr>
+        <p:style>
+          <a:lnRef idx="1">
+            <a:schemeClr val="accent1"/>
+          </a:lnRef>
+          <a:fillRef idx="0">
+            <a:schemeClr val="accent1"/>
+          </a:fillRef>
+          <a:effectRef idx="0">
+            <a:schemeClr val="accent1"/>
+          </a:effectRef>
+          <a:fontRef idx="minor">
+            <a:schemeClr val="tx1"/>
+          </a:fontRef>
+        </p:style>
+      </p:cxnSp>
+      <p:cxnSp>
+        <p:nvCxnSpPr>
+          <p:cNvPr id="30" name="Straight Arrow Connector 29">
+            <a:extLst>
+              <a:ext uri="{FF2B5EF4-FFF2-40B4-BE49-F238E27FC236}">
+                <a16:creationId xmlns:a16="http://schemas.microsoft.com/office/drawing/2014/main" id="{05FF88EB-62A4-1D4B-A0AB-07C638DF0D61}"/>
+              </a:ext>
+            </a:extLst>
+          </p:cNvPr>
+          <p:cNvCxnSpPr>
+            <a:cxnSpLocks/>
+          </p:cNvCxnSpPr>
+          <p:nvPr/>
+        </p:nvCxnSpPr>
+        <p:spPr>
+          <a:xfrm>
+            <a:off x="3078086" y="4099507"/>
+            <a:ext cx="0" cy="345863"/>
+          </a:xfrm>
+          <a:prstGeom prst="straightConnector1">
+            <a:avLst/>
+          </a:prstGeom>
+          <a:ln w="28575">
+            <a:solidFill>
+              <a:schemeClr val="tx1"/>
+            </a:solidFill>
+            <a:tailEnd type="triangle"/>
+          </a:ln>
+        </p:spPr>
+        <p:style>
+          <a:lnRef idx="1">
+            <a:schemeClr val="accent1"/>
+          </a:lnRef>
+          <a:fillRef idx="0">
+            <a:schemeClr val="accent1"/>
+          </a:fillRef>
+          <a:effectRef idx="0">
+            <a:schemeClr val="accent1"/>
+          </a:effectRef>
+          <a:fontRef idx="minor">
+            <a:schemeClr val="tx1"/>
+          </a:fontRef>
+        </p:style>
+      </p:cxnSp>
+      <p:sp>
+        <p:nvSpPr>
+          <p:cNvPr id="33" name="Rectangle 32">
+            <a:extLst>
+              <a:ext uri="{FF2B5EF4-FFF2-40B4-BE49-F238E27FC236}">
+                <a16:creationId xmlns:a16="http://schemas.microsoft.com/office/drawing/2014/main" id="{FE00F95D-354A-1646-8F4C-2AA9AEEA4DC2}"/>
+              </a:ext>
+            </a:extLst>
+          </p:cNvPr>
+          <p:cNvSpPr/>
+          <p:nvPr/>
+        </p:nvSpPr>
+        <p:spPr>
+          <a:xfrm>
+            <a:off x="2431500" y="5395531"/>
+            <a:ext cx="1294218" cy="604298"/>
+          </a:xfrm>
+          <a:prstGeom prst="rect">
+            <a:avLst/>
+          </a:prstGeom>
+          <a:noFill/>
+          <a:ln w="28575">
+            <a:solidFill>
+              <a:schemeClr val="tx1"/>
+            </a:solidFill>
+          </a:ln>
+        </p:spPr>
+        <p:style>
+          <a:lnRef idx="2">
+            <a:schemeClr val="accent1">
+              <a:shade val="50000"/>
+            </a:schemeClr>
+          </a:lnRef>
+          <a:fillRef idx="1">
+            <a:schemeClr val="accent1"/>
+          </a:fillRef>
+          <a:effectRef idx="0">
+            <a:schemeClr val="accent1"/>
+          </a:effectRef>
+          <a:fontRef idx="minor">
+            <a:schemeClr val="lt1"/>
+          </a:fontRef>
+        </p:style>
+        <p:txBody>
+          <a:bodyPr rtlCol="0" anchor="ctr"/>
+          <a:lstStyle/>
+          <a:p>
+            <a:pPr algn="ctr"/>
+            <a:endParaRPr lang="en-US"/>
+          </a:p>
+        </p:txBody>
+      </p:sp>
+      <p:sp>
+        <p:nvSpPr>
+          <p:cNvPr id="34" name="TextBox 33">
+            <a:extLst>
+              <a:ext uri="{FF2B5EF4-FFF2-40B4-BE49-F238E27FC236}">
+                <a16:creationId xmlns:a16="http://schemas.microsoft.com/office/drawing/2014/main" id="{4C1C1D79-DD3A-7447-81A0-ABB337EF4FE2}"/>
+              </a:ext>
+            </a:extLst>
+          </p:cNvPr>
+          <p:cNvSpPr txBox="1"/>
+          <p:nvPr/>
+        </p:nvSpPr>
+        <p:spPr>
+          <a:xfrm>
+            <a:off x="2785101" y="5513014"/>
+            <a:ext cx="587020" cy="369332"/>
+          </a:xfrm>
+          <a:prstGeom prst="rect">
+            <a:avLst/>
+          </a:prstGeom>
+          <a:noFill/>
+        </p:spPr>
+        <p:txBody>
+          <a:bodyPr wrap="none" rtlCol="0">
+            <a:spAutoFit/>
+          </a:bodyPr>
+          <a:lstStyle/>
+          <a:p>
+            <a:pPr algn="ctr"/>
+            <a:r>
+              <a:rPr lang="en-US" b="1" dirty="0"/>
+              <a:t>GDS</a:t>
+            </a:r>
+          </a:p>
+        </p:txBody>
+      </p:sp>
+      <p:cxnSp>
+        <p:nvCxnSpPr>
+          <p:cNvPr id="35" name="Straight Arrow Connector 34">
+            <a:extLst>
+              <a:ext uri="{FF2B5EF4-FFF2-40B4-BE49-F238E27FC236}">
+                <a16:creationId xmlns:a16="http://schemas.microsoft.com/office/drawing/2014/main" id="{0BF3C68E-8CEB-9149-8591-7FE7B160E036}"/>
+              </a:ext>
+            </a:extLst>
+          </p:cNvPr>
+          <p:cNvCxnSpPr>
+            <a:cxnSpLocks/>
+          </p:cNvCxnSpPr>
+          <p:nvPr/>
+        </p:nvCxnSpPr>
+        <p:spPr>
+          <a:xfrm>
+            <a:off x="3056489" y="5049668"/>
+            <a:ext cx="0" cy="345863"/>
+          </a:xfrm>
+          <a:prstGeom prst="straightConnector1">
+            <a:avLst/>
+          </a:prstGeom>
+          <a:ln w="28575">
+            <a:solidFill>
+              <a:schemeClr val="tx1"/>
+            </a:solidFill>
+            <a:tailEnd type="triangle"/>
+          </a:ln>
+        </p:spPr>
+        <p:style>
+          <a:lnRef idx="1">
+            <a:schemeClr val="accent1"/>
+          </a:lnRef>
+          <a:fillRef idx="0">
+            <a:schemeClr val="accent1"/>
+          </a:fillRef>
+          <a:effectRef idx="0">
+            <a:schemeClr val="accent1"/>
+          </a:effectRef>
+          <a:fontRef idx="minor">
+            <a:schemeClr val="tx1"/>
+          </a:fontRef>
+        </p:style>
+      </p:cxnSp>
+      <p:sp>
+        <p:nvSpPr>
+          <p:cNvPr id="36" name="Rectangle 35">
+            <a:extLst>
+              <a:ext uri="{FF2B5EF4-FFF2-40B4-BE49-F238E27FC236}">
+                <a16:creationId xmlns:a16="http://schemas.microsoft.com/office/drawing/2014/main" id="{E4CC56CE-9818-014C-A61D-E829C79AE95F}"/>
+              </a:ext>
+            </a:extLst>
+          </p:cNvPr>
+          <p:cNvSpPr/>
+          <p:nvPr/>
+        </p:nvSpPr>
+        <p:spPr>
+          <a:xfrm>
+            <a:off x="7947221" y="4445961"/>
+            <a:ext cx="1294218" cy="604298"/>
+          </a:xfrm>
+          <a:prstGeom prst="rect">
+            <a:avLst/>
+          </a:prstGeom>
+          <a:noFill/>
+          <a:ln w="28575">
+            <a:solidFill>
+              <a:schemeClr val="tx1"/>
+            </a:solidFill>
+          </a:ln>
+        </p:spPr>
+        <p:style>
+          <a:lnRef idx="2">
+            <a:schemeClr val="accent1">
+              <a:shade val="50000"/>
+            </a:schemeClr>
+          </a:lnRef>
+          <a:fillRef idx="1">
+            <a:schemeClr val="accent1"/>
+          </a:fillRef>
+          <a:effectRef idx="0">
+            <a:schemeClr val="accent1"/>
+          </a:effectRef>
+          <a:fontRef idx="minor">
+            <a:schemeClr val="lt1"/>
+          </a:fontRef>
+        </p:style>
+        <p:txBody>
+          <a:bodyPr rtlCol="0" anchor="ctr"/>
+          <a:lstStyle/>
+          <a:p>
+            <a:pPr algn="ctr"/>
+            <a:endParaRPr lang="en-US"/>
+          </a:p>
+        </p:txBody>
+      </p:sp>
+      <p:sp>
+        <p:nvSpPr>
+          <p:cNvPr id="37" name="TextBox 36">
+            <a:extLst>
+              <a:ext uri="{FF2B5EF4-FFF2-40B4-BE49-F238E27FC236}">
+                <a16:creationId xmlns:a16="http://schemas.microsoft.com/office/drawing/2014/main" id="{CB16139C-BCE3-CD4C-AA06-BDCA96B86D25}"/>
+              </a:ext>
+            </a:extLst>
+          </p:cNvPr>
+          <p:cNvSpPr txBox="1"/>
+          <p:nvPr/>
+        </p:nvSpPr>
+        <p:spPr>
+          <a:xfrm>
+            <a:off x="8045147" y="4562249"/>
+            <a:ext cx="1111458" cy="369332"/>
+          </a:xfrm>
+          <a:prstGeom prst="rect">
+            <a:avLst/>
+          </a:prstGeom>
+          <a:noFill/>
+        </p:spPr>
+        <p:txBody>
+          <a:bodyPr wrap="none" rtlCol="0">
+            <a:spAutoFit/>
+          </a:bodyPr>
+          <a:lstStyle/>
+          <a:p>
+            <a:r>
+              <a:rPr lang="en-US" b="1" dirty="0" err="1"/>
+              <a:t>Lumerical</a:t>
+            </a:r>
+            <a:endParaRPr lang="en-US" b="1" dirty="0"/>
+          </a:p>
+        </p:txBody>
+      </p:sp>
+      <p:sp>
+        <p:nvSpPr>
+          <p:cNvPr id="38" name="Rectangle 37">
+            <a:extLst>
+              <a:ext uri="{FF2B5EF4-FFF2-40B4-BE49-F238E27FC236}">
+                <a16:creationId xmlns:a16="http://schemas.microsoft.com/office/drawing/2014/main" id="{FFD3312D-B43B-1A49-B904-5433A86C24BD}"/>
+              </a:ext>
+            </a:extLst>
+          </p:cNvPr>
+          <p:cNvSpPr/>
+          <p:nvPr/>
+        </p:nvSpPr>
+        <p:spPr>
+          <a:xfrm>
+            <a:off x="5873024" y="4445370"/>
+            <a:ext cx="1294218" cy="604298"/>
+          </a:xfrm>
+          <a:prstGeom prst="rect">
+            <a:avLst/>
+          </a:prstGeom>
+          <a:noFill/>
+          <a:ln w="28575">
+            <a:solidFill>
+              <a:schemeClr val="tx1"/>
+            </a:solidFill>
+          </a:ln>
+        </p:spPr>
+        <p:style>
+          <a:lnRef idx="2">
+            <a:schemeClr val="accent1">
+              <a:shade val="50000"/>
+            </a:schemeClr>
+          </a:lnRef>
+          <a:fillRef idx="1">
+            <a:schemeClr val="accent1"/>
+          </a:fillRef>
+          <a:effectRef idx="0">
+            <a:schemeClr val="accent1"/>
+          </a:effectRef>
+          <a:fontRef idx="minor">
+            <a:schemeClr val="lt1"/>
+          </a:fontRef>
+        </p:style>
+        <p:txBody>
+          <a:bodyPr rtlCol="0" anchor="ctr"/>
+          <a:lstStyle/>
+          <a:p>
+            <a:pPr algn="ctr"/>
+            <a:endParaRPr lang="en-US"/>
+          </a:p>
+        </p:txBody>
+      </p:sp>
+      <p:sp>
+        <p:nvSpPr>
+          <p:cNvPr id="39" name="TextBox 38">
+            <a:extLst>
+              <a:ext uri="{FF2B5EF4-FFF2-40B4-BE49-F238E27FC236}">
+                <a16:creationId xmlns:a16="http://schemas.microsoft.com/office/drawing/2014/main" id="{EBD45FDF-288A-F742-B3E5-DD3B1768A8A7}"/>
+              </a:ext>
+            </a:extLst>
+          </p:cNvPr>
+          <p:cNvSpPr txBox="1"/>
+          <p:nvPr/>
+        </p:nvSpPr>
+        <p:spPr>
+          <a:xfrm>
+            <a:off x="6151572" y="4562853"/>
+            <a:ext cx="737126" cy="369332"/>
+          </a:xfrm>
+          <a:prstGeom prst="rect">
+            <a:avLst/>
+          </a:prstGeom>
+          <a:noFill/>
+        </p:spPr>
+        <p:txBody>
+          <a:bodyPr wrap="none" rtlCol="0">
+            <a:spAutoFit/>
+          </a:bodyPr>
+          <a:lstStyle/>
+          <a:p>
+            <a:pPr algn="ctr"/>
+            <a:r>
+              <a:rPr lang="en-US" b="1" dirty="0" err="1"/>
+              <a:t>gdspy</a:t>
+            </a:r>
+            <a:endParaRPr lang="en-US" b="1" dirty="0"/>
+          </a:p>
+        </p:txBody>
+      </p:sp>
+      <p:cxnSp>
+        <p:nvCxnSpPr>
+          <p:cNvPr id="40" name="Straight Arrow Connector 39">
+            <a:extLst>
+              <a:ext uri="{FF2B5EF4-FFF2-40B4-BE49-F238E27FC236}">
+                <a16:creationId xmlns:a16="http://schemas.microsoft.com/office/drawing/2014/main" id="{EEDC6E0A-402A-1A4D-88E7-12F45347BA40}"/>
+              </a:ext>
+            </a:extLst>
+          </p:cNvPr>
+          <p:cNvCxnSpPr>
+            <a:cxnSpLocks/>
+          </p:cNvCxnSpPr>
+          <p:nvPr/>
+        </p:nvCxnSpPr>
+        <p:spPr>
+          <a:xfrm>
+            <a:off x="8594330" y="4100097"/>
+            <a:ext cx="0" cy="345863"/>
+          </a:xfrm>
+          <a:prstGeom prst="straightConnector1">
+            <a:avLst/>
+          </a:prstGeom>
+          <a:ln w="28575">
+            <a:solidFill>
+              <a:schemeClr val="tx1"/>
+            </a:solidFill>
+            <a:tailEnd type="triangle"/>
+          </a:ln>
+        </p:spPr>
+        <p:style>
+          <a:lnRef idx="1">
+            <a:schemeClr val="accent1"/>
+          </a:lnRef>
+          <a:fillRef idx="0">
+            <a:schemeClr val="accent1"/>
+          </a:fillRef>
+          <a:effectRef idx="0">
+            <a:schemeClr val="accent1"/>
+          </a:effectRef>
+          <a:fontRef idx="minor">
+            <a:schemeClr val="tx1"/>
+          </a:fontRef>
+        </p:style>
+      </p:cxnSp>
+      <p:cxnSp>
+        <p:nvCxnSpPr>
+          <p:cNvPr id="42" name="Straight Arrow Connector 41">
+            <a:extLst>
+              <a:ext uri="{FF2B5EF4-FFF2-40B4-BE49-F238E27FC236}">
+                <a16:creationId xmlns:a16="http://schemas.microsoft.com/office/drawing/2014/main" id="{7391C28E-72A8-484F-9B08-7354BE8CD8CA}"/>
+              </a:ext>
+            </a:extLst>
+          </p:cNvPr>
+          <p:cNvCxnSpPr>
+            <a:cxnSpLocks/>
+          </p:cNvCxnSpPr>
+          <p:nvPr/>
+        </p:nvCxnSpPr>
+        <p:spPr>
+          <a:xfrm>
+            <a:off x="6519610" y="4099507"/>
+            <a:ext cx="0" cy="345863"/>
+          </a:xfrm>
+          <a:prstGeom prst="straightConnector1">
+            <a:avLst/>
+          </a:prstGeom>
+          <a:ln w="28575">
+            <a:solidFill>
+              <a:schemeClr val="tx1"/>
+            </a:solidFill>
+            <a:tailEnd type="triangle"/>
+          </a:ln>
+        </p:spPr>
+        <p:style>
+          <a:lnRef idx="1">
+            <a:schemeClr val="accent1"/>
+          </a:lnRef>
+          <a:fillRef idx="0">
+            <a:schemeClr val="accent1"/>
+          </a:fillRef>
+          <a:effectRef idx="0">
+            <a:schemeClr val="accent1"/>
+          </a:effectRef>
+          <a:fontRef idx="minor">
+            <a:schemeClr val="tx1"/>
+          </a:fontRef>
+        </p:style>
+      </p:cxnSp>
+      <p:sp>
+        <p:nvSpPr>
+          <p:cNvPr id="43" name="Rectangle 42">
+            <a:extLst>
+              <a:ext uri="{FF2B5EF4-FFF2-40B4-BE49-F238E27FC236}">
+                <a16:creationId xmlns:a16="http://schemas.microsoft.com/office/drawing/2014/main" id="{859A6913-D60D-BA41-B9F2-62988BF7B909}"/>
+              </a:ext>
+            </a:extLst>
+          </p:cNvPr>
+          <p:cNvSpPr/>
+          <p:nvPr/>
+        </p:nvSpPr>
+        <p:spPr>
+          <a:xfrm>
+            <a:off x="5873024" y="5395531"/>
+            <a:ext cx="1294218" cy="604298"/>
+          </a:xfrm>
+          <a:prstGeom prst="rect">
+            <a:avLst/>
+          </a:prstGeom>
+          <a:noFill/>
+          <a:ln w="28575">
+            <a:solidFill>
+              <a:schemeClr val="tx1"/>
+            </a:solidFill>
+          </a:ln>
+        </p:spPr>
+        <p:style>
+          <a:lnRef idx="2">
+            <a:schemeClr val="accent1">
+              <a:shade val="50000"/>
+            </a:schemeClr>
+          </a:lnRef>
+          <a:fillRef idx="1">
+            <a:schemeClr val="accent1"/>
+          </a:fillRef>
+          <a:effectRef idx="0">
+            <a:schemeClr val="accent1"/>
+          </a:effectRef>
+          <a:fontRef idx="minor">
+            <a:schemeClr val="lt1"/>
+          </a:fontRef>
+        </p:style>
+        <p:txBody>
+          <a:bodyPr rtlCol="0" anchor="ctr"/>
+          <a:lstStyle/>
+          <a:p>
+            <a:pPr algn="ctr"/>
+            <a:endParaRPr lang="en-US"/>
+          </a:p>
+        </p:txBody>
+      </p:sp>
+      <p:sp>
+        <p:nvSpPr>
+          <p:cNvPr id="44" name="TextBox 43">
+            <a:extLst>
+              <a:ext uri="{FF2B5EF4-FFF2-40B4-BE49-F238E27FC236}">
+                <a16:creationId xmlns:a16="http://schemas.microsoft.com/office/drawing/2014/main" id="{7B62AD97-AEE0-CF4C-839A-68BACAB1ABD3}"/>
+              </a:ext>
+            </a:extLst>
+          </p:cNvPr>
+          <p:cNvSpPr txBox="1"/>
+          <p:nvPr/>
+        </p:nvSpPr>
+        <p:spPr>
+          <a:xfrm>
+            <a:off x="6226625" y="5513014"/>
+            <a:ext cx="587020" cy="369332"/>
+          </a:xfrm>
+          <a:prstGeom prst="rect">
+            <a:avLst/>
+          </a:prstGeom>
+          <a:noFill/>
+        </p:spPr>
+        <p:txBody>
+          <a:bodyPr wrap="none" rtlCol="0">
+            <a:spAutoFit/>
+          </a:bodyPr>
+          <a:lstStyle/>
+          <a:p>
+            <a:pPr algn="ctr"/>
+            <a:r>
+              <a:rPr lang="en-US" b="1" dirty="0"/>
+              <a:t>GDS</a:t>
+            </a:r>
+          </a:p>
+        </p:txBody>
+      </p:sp>
+      <p:cxnSp>
+        <p:nvCxnSpPr>
+          <p:cNvPr id="45" name="Straight Arrow Connector 44">
+            <a:extLst>
+              <a:ext uri="{FF2B5EF4-FFF2-40B4-BE49-F238E27FC236}">
+                <a16:creationId xmlns:a16="http://schemas.microsoft.com/office/drawing/2014/main" id="{ECF36027-3DD1-2941-B2EE-B07544C32208}"/>
+              </a:ext>
+            </a:extLst>
+          </p:cNvPr>
+          <p:cNvCxnSpPr>
+            <a:cxnSpLocks/>
+          </p:cNvCxnSpPr>
+          <p:nvPr/>
+        </p:nvCxnSpPr>
+        <p:spPr>
+          <a:xfrm>
+            <a:off x="6498013" y="5049668"/>
+            <a:ext cx="0" cy="345863"/>
+          </a:xfrm>
+          <a:prstGeom prst="straightConnector1">
+            <a:avLst/>
+          </a:prstGeom>
+          <a:ln w="28575">
+            <a:solidFill>
+              <a:schemeClr val="tx1"/>
+            </a:solidFill>
+            <a:tailEnd type="triangle"/>
+          </a:ln>
+        </p:spPr>
+        <p:style>
+          <a:lnRef idx="1">
+            <a:schemeClr val="accent1"/>
+          </a:lnRef>
+          <a:fillRef idx="0">
+            <a:schemeClr val="accent1"/>
+          </a:fillRef>
+          <a:effectRef idx="0">
+            <a:schemeClr val="accent1"/>
+          </a:effectRef>
+          <a:fontRef idx="minor">
+            <a:schemeClr val="tx1"/>
+          </a:fontRef>
+        </p:style>
+      </p:cxnSp>
+      <p:sp>
+        <p:nvSpPr>
+          <p:cNvPr id="46" name="Rectangle 45">
+            <a:extLst>
+              <a:ext uri="{FF2B5EF4-FFF2-40B4-BE49-F238E27FC236}">
+                <a16:creationId xmlns:a16="http://schemas.microsoft.com/office/drawing/2014/main" id="{FB295595-5B71-9645-9A6F-1BC5FC4508C7}"/>
+              </a:ext>
+            </a:extLst>
+          </p:cNvPr>
+          <p:cNvSpPr/>
+          <p:nvPr/>
+        </p:nvSpPr>
+        <p:spPr>
+          <a:xfrm>
+            <a:off x="7485621" y="5395531"/>
+            <a:ext cx="1294218" cy="604298"/>
+          </a:xfrm>
+          <a:prstGeom prst="rect">
+            <a:avLst/>
+          </a:prstGeom>
+          <a:noFill/>
+          <a:ln w="28575">
+            <a:solidFill>
+              <a:schemeClr val="tx1"/>
+            </a:solidFill>
+          </a:ln>
+        </p:spPr>
+        <p:style>
+          <a:lnRef idx="2">
+            <a:schemeClr val="accent1">
+              <a:shade val="50000"/>
+            </a:schemeClr>
+          </a:lnRef>
+          <a:fillRef idx="1">
+            <a:schemeClr val="accent1"/>
+          </a:fillRef>
+          <a:effectRef idx="0">
+            <a:schemeClr val="accent1"/>
+          </a:effectRef>
+          <a:fontRef idx="minor">
+            <a:schemeClr val="lt1"/>
+          </a:fontRef>
+        </p:style>
+        <p:txBody>
+          <a:bodyPr rtlCol="0" anchor="ctr"/>
+          <a:lstStyle/>
+          <a:p>
+            <a:pPr algn="ctr"/>
+            <a:endParaRPr lang="en-US"/>
+          </a:p>
+        </p:txBody>
+      </p:sp>
+      <p:sp>
+        <p:nvSpPr>
+          <p:cNvPr id="47" name="TextBox 46">
+            <a:extLst>
+              <a:ext uri="{FF2B5EF4-FFF2-40B4-BE49-F238E27FC236}">
+                <a16:creationId xmlns:a16="http://schemas.microsoft.com/office/drawing/2014/main" id="{4B0B1BB9-81BD-7C4A-9FC6-8BC34EDC8AE4}"/>
+              </a:ext>
+            </a:extLst>
+          </p:cNvPr>
+          <p:cNvSpPr txBox="1"/>
+          <p:nvPr/>
+        </p:nvSpPr>
+        <p:spPr>
+          <a:xfrm>
+            <a:off x="7688909" y="5513014"/>
+            <a:ext cx="934871" cy="369332"/>
+          </a:xfrm>
+          <a:prstGeom prst="rect">
+            <a:avLst/>
+          </a:prstGeom>
+          <a:noFill/>
+        </p:spPr>
+        <p:txBody>
+          <a:bodyPr wrap="none" rtlCol="0">
+            <a:spAutoFit/>
+          </a:bodyPr>
+          <a:lstStyle/>
+          <a:p>
+            <a:r>
+              <a:rPr lang="en-US" b="1" dirty="0"/>
+              <a:t>Shapely</a:t>
+            </a:r>
+          </a:p>
+        </p:txBody>
+      </p:sp>
+      <p:cxnSp>
+        <p:nvCxnSpPr>
+          <p:cNvPr id="48" name="Straight Arrow Connector 47">
+            <a:extLst>
+              <a:ext uri="{FF2B5EF4-FFF2-40B4-BE49-F238E27FC236}">
+                <a16:creationId xmlns:a16="http://schemas.microsoft.com/office/drawing/2014/main" id="{10FACCAB-6D6D-B843-AEC4-D7FBB08D319F}"/>
+              </a:ext>
+            </a:extLst>
+          </p:cNvPr>
+          <p:cNvCxnSpPr>
+            <a:cxnSpLocks/>
+          </p:cNvCxnSpPr>
+          <p:nvPr/>
+        </p:nvCxnSpPr>
+        <p:spPr>
+          <a:xfrm>
+            <a:off x="7782871" y="4099507"/>
+            <a:ext cx="0" cy="1296024"/>
+          </a:xfrm>
+          <a:prstGeom prst="straightConnector1">
+            <a:avLst/>
+          </a:prstGeom>
+          <a:ln w="28575">
+            <a:solidFill>
+              <a:schemeClr val="tx1"/>
+            </a:solidFill>
+            <a:tailEnd type="triangle"/>
+          </a:ln>
+        </p:spPr>
+        <p:style>
+          <a:lnRef idx="1">
+            <a:schemeClr val="accent1"/>
+          </a:lnRef>
+          <a:fillRef idx="0">
+            <a:schemeClr val="accent1"/>
+          </a:fillRef>
+          <a:effectRef idx="0">
+            <a:schemeClr val="accent1"/>
+          </a:effectRef>
+          <a:fontRef idx="minor">
+            <a:schemeClr val="tx1"/>
+          </a:fontRef>
+        </p:style>
+      </p:cxnSp>
+      <p:sp>
+        <p:nvSpPr>
+          <p:cNvPr id="51" name="TextBox 50">
+            <a:extLst>
+              <a:ext uri="{FF2B5EF4-FFF2-40B4-BE49-F238E27FC236}">
+                <a16:creationId xmlns:a16="http://schemas.microsoft.com/office/drawing/2014/main" id="{917CA4D7-A297-C549-80F7-85E7D2B5C3A9}"/>
+              </a:ext>
+            </a:extLst>
+          </p:cNvPr>
+          <p:cNvSpPr txBox="1"/>
+          <p:nvPr/>
+        </p:nvSpPr>
+        <p:spPr>
+          <a:xfrm flipH="1">
+            <a:off x="2305064" y="1607918"/>
+            <a:ext cx="623889" cy="369332"/>
+          </a:xfrm>
+          <a:prstGeom prst="rect">
+            <a:avLst/>
+          </a:prstGeom>
+          <a:noFill/>
+        </p:spPr>
+        <p:txBody>
+          <a:bodyPr wrap="none" rtlCol="0">
+            <a:spAutoFit/>
+          </a:bodyPr>
+          <a:lstStyle/>
+          <a:p>
+            <a:r>
+              <a:rPr lang="en-US" b="1" dirty="0"/>
+              <a:t>User</a:t>
+            </a:r>
+          </a:p>
+        </p:txBody>
+      </p:sp>
+      <p:cxnSp>
+        <p:nvCxnSpPr>
+          <p:cNvPr id="52" name="Curved Connector 51">
+            <a:extLst>
+              <a:ext uri="{FF2B5EF4-FFF2-40B4-BE49-F238E27FC236}">
+                <a16:creationId xmlns:a16="http://schemas.microsoft.com/office/drawing/2014/main" id="{7DCBDF50-87C0-1248-84B7-44A58D034006}"/>
+              </a:ext>
+            </a:extLst>
+          </p:cNvPr>
+          <p:cNvCxnSpPr>
+            <a:cxnSpLocks/>
+            <a:stCxn id="51" idx="1"/>
+            <a:endCxn id="13" idx="0"/>
+          </p:cNvCxnSpPr>
+          <p:nvPr/>
+        </p:nvCxnSpPr>
+        <p:spPr>
+          <a:xfrm>
+            <a:off x="2928953" y="1792584"/>
+            <a:ext cx="1006943" cy="683774"/>
+          </a:xfrm>
+          <a:prstGeom prst="curvedConnector2">
+            <a:avLst/>
+          </a:prstGeom>
+          <a:ln w="28575">
+            <a:solidFill>
+              <a:schemeClr val="tx1"/>
+            </a:solidFill>
+            <a:tailEnd type="triangle"/>
+          </a:ln>
+        </p:spPr>
+        <p:style>
+          <a:lnRef idx="1">
+            <a:schemeClr val="accent1"/>
+          </a:lnRef>
+          <a:fillRef idx="0">
+            <a:schemeClr val="accent1"/>
+          </a:fillRef>
+          <a:effectRef idx="0">
+            <a:schemeClr val="accent1"/>
+          </a:effectRef>
+          <a:fontRef idx="minor">
+            <a:schemeClr val="tx1"/>
+          </a:fontRef>
+        </p:style>
+      </p:cxnSp>
+      <p:cxnSp>
+        <p:nvCxnSpPr>
+          <p:cNvPr id="56" name="Straight Arrow Connector 55">
+            <a:extLst>
+              <a:ext uri="{FF2B5EF4-FFF2-40B4-BE49-F238E27FC236}">
+                <a16:creationId xmlns:a16="http://schemas.microsoft.com/office/drawing/2014/main" id="{676866C9-4D66-7340-A68F-0FBABEC62D69}"/>
+              </a:ext>
+            </a:extLst>
+          </p:cNvPr>
+          <p:cNvCxnSpPr>
+            <a:cxnSpLocks/>
+          </p:cNvCxnSpPr>
+          <p:nvPr/>
+        </p:nvCxnSpPr>
+        <p:spPr>
+          <a:xfrm flipV="1">
+            <a:off x="7601317" y="4098903"/>
+            <a:ext cx="0" cy="1296024"/>
+          </a:xfrm>
+          <a:prstGeom prst="straightConnector1">
+            <a:avLst/>
+          </a:prstGeom>
+          <a:ln w="28575">
+            <a:solidFill>
+              <a:schemeClr val="tx1"/>
+            </a:solidFill>
+            <a:tailEnd type="triangle"/>
+          </a:ln>
+        </p:spPr>
+        <p:style>
+          <a:lnRef idx="1">
+            <a:schemeClr val="accent1"/>
+          </a:lnRef>
+          <a:fillRef idx="0">
+            <a:schemeClr val="accent1"/>
+          </a:fillRef>
+          <a:effectRef idx="0">
+            <a:schemeClr val="accent1"/>
+          </a:effectRef>
+          <a:fontRef idx="minor">
+            <a:schemeClr val="tx1"/>
+          </a:fontRef>
+        </p:style>
+      </p:cxnSp>
+      <p:sp>
+        <p:nvSpPr>
+          <p:cNvPr id="60" name="TextBox 59">
+            <a:extLst>
+              <a:ext uri="{FF2B5EF4-FFF2-40B4-BE49-F238E27FC236}">
+                <a16:creationId xmlns:a16="http://schemas.microsoft.com/office/drawing/2014/main" id="{112560BD-0D83-FD43-B9B5-8D58ABC64FA6}"/>
+              </a:ext>
+            </a:extLst>
+          </p:cNvPr>
+          <p:cNvSpPr txBox="1"/>
+          <p:nvPr/>
+        </p:nvSpPr>
+        <p:spPr>
+          <a:xfrm>
+            <a:off x="1241697" y="583151"/>
+            <a:ext cx="3629583" cy="646331"/>
+          </a:xfrm>
+          <a:prstGeom prst="rect">
+            <a:avLst/>
+          </a:prstGeom>
+          <a:noFill/>
+        </p:spPr>
+        <p:txBody>
+          <a:bodyPr wrap="none" rtlCol="0">
+            <a:spAutoFit/>
+          </a:bodyPr>
+          <a:lstStyle/>
+          <a:p>
+            <a:r>
+              <a:rPr lang="en-US" sz="3600" b="1" u="sng" dirty="0">
+                <a:latin typeface="+mj-lt"/>
+              </a:rPr>
+              <a:t>BAG Infrastructure</a:t>
+            </a:r>
+            <a:endParaRPr lang="en-US" sz="3600" b="1" u="sng" dirty="0"/>
+          </a:p>
+        </p:txBody>
+      </p:sp>
+      <p:sp>
+        <p:nvSpPr>
+          <p:cNvPr id="61" name="TextBox 60">
+            <a:extLst>
+              <a:ext uri="{FF2B5EF4-FFF2-40B4-BE49-F238E27FC236}">
+                <a16:creationId xmlns:a16="http://schemas.microsoft.com/office/drawing/2014/main" id="{0D3A871F-4748-ED40-8484-FD697E75925B}"/>
+              </a:ext>
+            </a:extLst>
+          </p:cNvPr>
+          <p:cNvSpPr txBox="1"/>
+          <p:nvPr/>
+        </p:nvSpPr>
+        <p:spPr>
+          <a:xfrm>
+            <a:off x="6677054" y="580349"/>
+            <a:ext cx="3610668" cy="646331"/>
+          </a:xfrm>
+          <a:prstGeom prst="rect">
+            <a:avLst/>
+          </a:prstGeom>
+          <a:noFill/>
+        </p:spPr>
+        <p:txBody>
+          <a:bodyPr wrap="none" rtlCol="0">
+            <a:spAutoFit/>
+          </a:bodyPr>
+          <a:lstStyle/>
+          <a:p>
+            <a:r>
+              <a:rPr lang="en-US" sz="3600" b="1" u="sng" dirty="0">
+                <a:latin typeface="+mj-lt"/>
+              </a:rPr>
+              <a:t>BPG Infrastructure</a:t>
+            </a:r>
+            <a:endParaRPr lang="en-US" sz="3600" b="1" u="sng" dirty="0"/>
           </a:p>
         </p:txBody>
       </p:sp>
@@ -3575,6 +5191,260 @@
     <p:extLst>
       <p:ext uri="{BB962C8B-B14F-4D97-AF65-F5344CB8AC3E}">
         <p14:creationId xmlns:p14="http://schemas.microsoft.com/office/powerpoint/2010/main" val="3743160292"/>
+      </p:ext>
+    </p:extLst>
+  </p:cSld>
+  <p:clrMapOvr>
+    <a:masterClrMapping/>
+  </p:clrMapOvr>
+</p:sld>
+</file>
+
+<file path=ppt/slides/slide4.xml><?xml version="1.0" encoding="utf-8"?>
+<p:sld xmlns:a="http://schemas.openxmlformats.org/drawingml/2006/main" xmlns:r="http://schemas.openxmlformats.org/officeDocument/2006/relationships" xmlns:p="http://schemas.openxmlformats.org/presentationml/2006/main">
+  <p:cSld>
+    <p:spTree>
+      <p:nvGrpSpPr>
+        <p:cNvPr id="1" name=""/>
+        <p:cNvGrpSpPr/>
+        <p:nvPr/>
+      </p:nvGrpSpPr>
+      <p:grpSpPr>
+        <a:xfrm>
+          <a:off x="0" y="0"/>
+          <a:ext cx="0" cy="0"/>
+          <a:chOff x="0" y="0"/>
+          <a:chExt cx="0" cy="0"/>
+        </a:xfrm>
+      </p:grpSpPr>
+      <p:sp>
+        <p:nvSpPr>
+          <p:cNvPr id="2" name="Title 1">
+            <a:extLst>
+              <a:ext uri="{FF2B5EF4-FFF2-40B4-BE49-F238E27FC236}">
+                <a16:creationId xmlns:a16="http://schemas.microsoft.com/office/drawing/2014/main" id="{B20F771A-A520-ED4B-857C-7D416B45E797}"/>
+              </a:ext>
+            </a:extLst>
+          </p:cNvPr>
+          <p:cNvSpPr>
+            <a:spLocks noGrp="1"/>
+          </p:cNvSpPr>
+          <p:nvPr>
+            <p:ph type="title"/>
+          </p:nvPr>
+        </p:nvSpPr>
+        <p:spPr/>
+        <p:txBody>
+          <a:bodyPr/>
+          <a:lstStyle/>
+          <a:p>
+            <a:r>
+              <a:rPr lang="en-US" dirty="0"/>
+              <a:t>BPG Features</a:t>
+            </a:r>
+          </a:p>
+        </p:txBody>
+      </p:sp>
+      <p:sp>
+        <p:nvSpPr>
+          <p:cNvPr id="3" name="Content Placeholder 2">
+            <a:extLst>
+              <a:ext uri="{FF2B5EF4-FFF2-40B4-BE49-F238E27FC236}">
+                <a16:creationId xmlns:a16="http://schemas.microsoft.com/office/drawing/2014/main" id="{5E992D56-78CF-CD4A-9288-5E1A471E4B64}"/>
+              </a:ext>
+            </a:extLst>
+          </p:cNvPr>
+          <p:cNvSpPr>
+            <a:spLocks noGrp="1"/>
+          </p:cNvSpPr>
+          <p:nvPr>
+            <p:ph idx="1"/>
+          </p:nvPr>
+        </p:nvSpPr>
+        <p:spPr/>
+        <p:txBody>
+          <a:bodyPr/>
+          <a:lstStyle/>
+          <a:p>
+            <a:r>
+              <a:rPr lang="en-US" dirty="0"/>
+              <a:t>No Virtuoso required!!</a:t>
+            </a:r>
+          </a:p>
+          <a:p>
+            <a:r>
+              <a:rPr lang="en-US" dirty="0"/>
+              <a:t>Provides access to convenient photonic design functions like adding, aligning, and managing ports</a:t>
+            </a:r>
+          </a:p>
+          <a:p>
+            <a:r>
+              <a:rPr lang="en-US" dirty="0"/>
+              <a:t>Enables Python-driven data-prep through fast C/C++ libraries like Shapely</a:t>
+            </a:r>
+          </a:p>
+          <a:p>
+            <a:r>
+              <a:rPr lang="en-US" dirty="0"/>
+              <a:t>Automatic export of parametrized layout to </a:t>
+            </a:r>
+            <a:r>
+              <a:rPr lang="en-US" dirty="0" err="1"/>
+              <a:t>Lumerical</a:t>
+            </a:r>
+            <a:endParaRPr lang="en-US" dirty="0"/>
+          </a:p>
+          <a:p>
+            <a:pPr lvl="1"/>
+            <a:r>
+              <a:rPr lang="en-US" dirty="0"/>
+              <a:t>Open source FDTD tool compatibility coming in the future</a:t>
+            </a:r>
+          </a:p>
+          <a:p>
+            <a:r>
+              <a:rPr lang="en-US" dirty="0" err="1"/>
+              <a:t>Lumerical</a:t>
+            </a:r>
+            <a:r>
+              <a:rPr lang="en-US" dirty="0"/>
+              <a:t> simulation, optimization, data analysis control</a:t>
+            </a:r>
+          </a:p>
+        </p:txBody>
+      </p:sp>
+    </p:spTree>
+    <p:extLst>
+      <p:ext uri="{BB962C8B-B14F-4D97-AF65-F5344CB8AC3E}">
+        <p14:creationId xmlns:p14="http://schemas.microsoft.com/office/powerpoint/2010/main" val="2674773072"/>
+      </p:ext>
+    </p:extLst>
+  </p:cSld>
+  <p:clrMapOvr>
+    <a:masterClrMapping/>
+  </p:clrMapOvr>
+</p:sld>
+</file>
+
+<file path=ppt/slides/slide5.xml><?xml version="1.0" encoding="utf-8"?>
+<p:sld xmlns:a="http://schemas.openxmlformats.org/drawingml/2006/main" xmlns:r="http://schemas.openxmlformats.org/officeDocument/2006/relationships" xmlns:p="http://schemas.openxmlformats.org/presentationml/2006/main">
+  <p:cSld>
+    <p:spTree>
+      <p:nvGrpSpPr>
+        <p:cNvPr id="1" name=""/>
+        <p:cNvGrpSpPr/>
+        <p:nvPr/>
+      </p:nvGrpSpPr>
+      <p:grpSpPr>
+        <a:xfrm>
+          <a:off x="0" y="0"/>
+          <a:ext cx="0" cy="0"/>
+          <a:chOff x="0" y="0"/>
+          <a:chExt cx="0" cy="0"/>
+        </a:xfrm>
+      </p:grpSpPr>
+      <p:sp>
+        <p:nvSpPr>
+          <p:cNvPr id="2" name="Title 1">
+            <a:extLst>
+              <a:ext uri="{FF2B5EF4-FFF2-40B4-BE49-F238E27FC236}">
+                <a16:creationId xmlns:a16="http://schemas.microsoft.com/office/drawing/2014/main" id="{E69236F1-3B14-C64B-9C5A-BB6D8E35293F}"/>
+              </a:ext>
+            </a:extLst>
+          </p:cNvPr>
+          <p:cNvSpPr>
+            <a:spLocks noGrp="1"/>
+          </p:cNvSpPr>
+          <p:nvPr>
+            <p:ph type="title"/>
+          </p:nvPr>
+        </p:nvSpPr>
+        <p:spPr/>
+        <p:txBody>
+          <a:bodyPr/>
+          <a:lstStyle/>
+          <a:p>
+            <a:r>
+              <a:rPr lang="en-US" dirty="0"/>
+              <a:t>Demo Time!</a:t>
+            </a:r>
+          </a:p>
+        </p:txBody>
+      </p:sp>
+      <p:sp>
+        <p:nvSpPr>
+          <p:cNvPr id="3" name="Content Placeholder 2">
+            <a:extLst>
+              <a:ext uri="{FF2B5EF4-FFF2-40B4-BE49-F238E27FC236}">
+                <a16:creationId xmlns:a16="http://schemas.microsoft.com/office/drawing/2014/main" id="{3395D584-705E-2044-9F3C-394317EDD501}"/>
+              </a:ext>
+            </a:extLst>
+          </p:cNvPr>
+          <p:cNvSpPr>
+            <a:spLocks noGrp="1"/>
+          </p:cNvSpPr>
+          <p:nvPr>
+            <p:ph idx="1"/>
+          </p:nvPr>
+        </p:nvSpPr>
+        <p:spPr/>
+        <p:txBody>
+          <a:bodyPr/>
+          <a:lstStyle/>
+          <a:p>
+            <a:r>
+              <a:rPr lang="en-US" dirty="0"/>
+              <a:t>Creation of an example loss ring test site</a:t>
+            </a:r>
+          </a:p>
+          <a:p>
+            <a:r>
+              <a:rPr lang="en-US" dirty="0" err="1"/>
+              <a:t>Dataprep</a:t>
+            </a:r>
+            <a:r>
+              <a:rPr lang="en-US" dirty="0"/>
+              <a:t> methods:</a:t>
+            </a:r>
+          </a:p>
+          <a:p>
+            <a:pPr lvl="1"/>
+            <a:r>
+              <a:rPr lang="en-US" dirty="0"/>
+              <a:t>Flattening</a:t>
+            </a:r>
+          </a:p>
+          <a:p>
+            <a:pPr lvl="1"/>
+            <a:r>
+              <a:rPr lang="en-US" dirty="0" err="1"/>
+              <a:t>Manhattanization</a:t>
+            </a:r>
+            <a:endParaRPr lang="en-US" dirty="0"/>
+          </a:p>
+          <a:p>
+            <a:pPr lvl="1"/>
+            <a:r>
+              <a:rPr lang="en-US" dirty="0"/>
+              <a:t>Grow/Shrink</a:t>
+            </a:r>
+          </a:p>
+          <a:p>
+            <a:r>
+              <a:rPr lang="en-US" dirty="0" err="1"/>
+              <a:t>Lumerical</a:t>
+            </a:r>
+            <a:r>
+              <a:rPr lang="en-US" dirty="0"/>
+              <a:t> Export</a:t>
+            </a:r>
+          </a:p>
+        </p:txBody>
+      </p:sp>
+    </p:spTree>
+    <p:extLst>
+      <p:ext uri="{BB962C8B-B14F-4D97-AF65-F5344CB8AC3E}">
+        <p14:creationId xmlns:p14="http://schemas.microsoft.com/office/powerpoint/2010/main" val="1671869783"/>
       </p:ext>
     </p:extLst>
   </p:cSld>
